--- a/Tableau Project.pptx
+++ b/Tableau Project.pptx
@@ -7,22 +7,25 @@
   <p:sldIdLst>
     <p:sldId id="256" r:id="rId2"/>
     <p:sldId id="258" r:id="rId3"/>
-    <p:sldId id="257" r:id="rId4"/>
-    <p:sldId id="259" r:id="rId5"/>
-    <p:sldId id="260" r:id="rId6"/>
-    <p:sldId id="261" r:id="rId7"/>
-    <p:sldId id="270" r:id="rId8"/>
-    <p:sldId id="262" r:id="rId9"/>
-    <p:sldId id="271" r:id="rId10"/>
-    <p:sldId id="263" r:id="rId11"/>
-    <p:sldId id="274" r:id="rId12"/>
-    <p:sldId id="264" r:id="rId13"/>
-    <p:sldId id="265" r:id="rId14"/>
-    <p:sldId id="266" r:id="rId15"/>
-    <p:sldId id="268" r:id="rId16"/>
-    <p:sldId id="272" r:id="rId17"/>
-    <p:sldId id="273" r:id="rId18"/>
-    <p:sldId id="269" r:id="rId19"/>
+    <p:sldId id="275" r:id="rId4"/>
+    <p:sldId id="257" r:id="rId5"/>
+    <p:sldId id="259" r:id="rId6"/>
+    <p:sldId id="260" r:id="rId7"/>
+    <p:sldId id="261" r:id="rId8"/>
+    <p:sldId id="270" r:id="rId9"/>
+    <p:sldId id="276" r:id="rId10"/>
+    <p:sldId id="262" r:id="rId11"/>
+    <p:sldId id="271" r:id="rId12"/>
+    <p:sldId id="263" r:id="rId13"/>
+    <p:sldId id="274" r:id="rId14"/>
+    <p:sldId id="277" r:id="rId15"/>
+    <p:sldId id="264" r:id="rId16"/>
+    <p:sldId id="265" r:id="rId17"/>
+    <p:sldId id="266" r:id="rId18"/>
+    <p:sldId id="268" r:id="rId19"/>
+    <p:sldId id="272" r:id="rId20"/>
+    <p:sldId id="273" r:id="rId21"/>
+    <p:sldId id="269" r:id="rId22"/>
   </p:sldIdLst>
   <p:sldSz cx="9144000" cy="6858000" type="screen4x3"/>
   <p:notesSz cx="6858000" cy="9144000"/>
@@ -750,7 +753,7 @@
             <a:fld id="{1D8BD707-D9CF-40AE-B4C6-C98DA3205C09}" type="datetimeFigureOut">
               <a:rPr lang="en-US" smtClean="0"/>
               <a:pPr/>
-              <a:t>9/26/2023</a:t>
+              <a:t>10/1/2023</a:t>
             </a:fld>
             <a:endParaRPr lang="en-US"/>
           </a:p>
@@ -948,7 +951,7 @@
             <a:fld id="{1D8BD707-D9CF-40AE-B4C6-C98DA3205C09}" type="datetimeFigureOut">
               <a:rPr lang="en-US" smtClean="0"/>
               <a:pPr/>
-              <a:t>9/26/2023</a:t>
+              <a:t>10/1/2023</a:t>
             </a:fld>
             <a:endParaRPr lang="en-US"/>
           </a:p>
@@ -1135,7 +1138,7 @@
             <a:fld id="{1D8BD707-D9CF-40AE-B4C6-C98DA3205C09}" type="datetimeFigureOut">
               <a:rPr lang="en-US" smtClean="0"/>
               <a:pPr/>
-              <a:t>9/26/2023</a:t>
+              <a:t>10/1/2023</a:t>
             </a:fld>
             <a:endParaRPr lang="en-US"/>
           </a:p>
@@ -1287,7 +1290,7 @@
             <a:fld id="{1D8BD707-D9CF-40AE-B4C6-C98DA3205C09}" type="datetimeFigureOut">
               <a:rPr lang="en-US" smtClean="0"/>
               <a:pPr/>
-              <a:t>9/26/2023</a:t>
+              <a:t>10/1/2023</a:t>
             </a:fld>
             <a:endParaRPr lang="en-US"/>
           </a:p>
@@ -1544,7 +1547,7 @@
             <a:fld id="{1D8BD707-D9CF-40AE-B4C6-C98DA3205C09}" type="datetimeFigureOut">
               <a:rPr lang="en-US" smtClean="0"/>
               <a:pPr/>
-              <a:t>9/26/2023</a:t>
+              <a:t>10/1/2023</a:t>
             </a:fld>
             <a:endParaRPr lang="en-US"/>
           </a:p>
@@ -1955,7 +1958,7 @@
             <a:fld id="{1D8BD707-D9CF-40AE-B4C6-C98DA3205C09}" type="datetimeFigureOut">
               <a:rPr lang="en-US" smtClean="0"/>
               <a:pPr/>
-              <a:t>9/26/2023</a:t>
+              <a:t>10/1/2023</a:t>
             </a:fld>
             <a:endParaRPr lang="en-US"/>
           </a:p>
@@ -2403,7 +2406,7 @@
             <a:fld id="{1D8BD707-D9CF-40AE-B4C6-C98DA3205C09}" type="datetimeFigureOut">
               <a:rPr lang="en-US" smtClean="0"/>
               <a:pPr/>
-              <a:t>9/26/2023</a:t>
+              <a:t>10/1/2023</a:t>
             </a:fld>
             <a:endParaRPr lang="en-US"/>
           </a:p>
@@ -2506,7 +2509,7 @@
             <a:fld id="{1D8BD707-D9CF-40AE-B4C6-C98DA3205C09}" type="datetimeFigureOut">
               <a:rPr lang="en-US" smtClean="0"/>
               <a:pPr/>
-              <a:t>9/26/2023</a:t>
+              <a:t>10/1/2023</a:t>
             </a:fld>
             <a:endParaRPr lang="en-US"/>
           </a:p>
@@ -2629,7 +2632,7 @@
             <a:fld id="{1D8BD707-D9CF-40AE-B4C6-C98DA3205C09}" type="datetimeFigureOut">
               <a:rPr lang="en-US" smtClean="0"/>
               <a:pPr/>
-              <a:t>9/26/2023</a:t>
+              <a:t>10/1/2023</a:t>
             </a:fld>
             <a:endParaRPr lang="en-US"/>
           </a:p>
@@ -2905,7 +2908,7 @@
             <a:fld id="{1D8BD707-D9CF-40AE-B4C6-C98DA3205C09}" type="datetimeFigureOut">
               <a:rPr lang="en-US" smtClean="0"/>
               <a:pPr/>
-              <a:t>9/26/2023</a:t>
+              <a:t>10/1/2023</a:t>
             </a:fld>
             <a:endParaRPr lang="en-US"/>
           </a:p>
@@ -3112,7 +3115,7 @@
             <a:fld id="{1D8BD707-D9CF-40AE-B4C6-C98DA3205C09}" type="datetimeFigureOut">
               <a:rPr lang="en-US" smtClean="0"/>
               <a:pPr/>
-              <a:t>9/26/2023</a:t>
+              <a:t>10/1/2023</a:t>
             </a:fld>
             <a:endParaRPr lang="en-US"/>
           </a:p>
@@ -4223,7 +4226,7 @@
             <a:fld id="{1D8BD707-D9CF-40AE-B4C6-C98DA3205C09}" type="datetimeFigureOut">
               <a:rPr lang="en-US" smtClean="0"/>
               <a:pPr/>
-              <a:t>9/26/2023</a:t>
+              <a:t>10/1/2023</a:t>
             </a:fld>
             <a:endParaRPr lang="en-US"/>
           </a:p>
@@ -4738,15 +4741,7 @@
           <a:p>
             <a:r>
               <a:rPr lang="en-US" sz="2400" b="0" dirty="0" smtClean="0"/>
-              <a:t>Create a </a:t>
-            </a:r>
-            <a:r>
-              <a:rPr lang="en-US" sz="2400" b="0" dirty="0" err="1" smtClean="0"/>
-              <a:t>heatmap</a:t>
-            </a:r>
-            <a:r>
-              <a:rPr lang="en-US" sz="2400" b="0" dirty="0" smtClean="0"/>
-              <a:t> of Canada with current house prices for each available district.</a:t>
+              <a:t>Compare this trend with the trend of office prices. Which one is getting more expensive, faster?</a:t>
             </a:r>
             <a:br>
               <a:rPr lang="en-US" sz="2400" b="0" dirty="0" smtClean="0"/>
@@ -4757,7 +4752,7 @@
       </p:sp>
       <p:pic>
         <p:nvPicPr>
-          <p:cNvPr id="8194" name="Picture 2"/>
+          <p:cNvPr id="6146" name="Picture 2"/>
           <p:cNvPicPr>
             <a:picLocks noGrp="1" noChangeAspect="1" noChangeArrowheads="1"/>
           </p:cNvPicPr>
@@ -4774,8 +4769,8 @@
         </p:blipFill>
         <p:spPr bwMode="auto">
           <a:xfrm>
-            <a:off x="838200" y="1481138"/>
-            <a:ext cx="6570855" cy="4525962"/>
+            <a:off x="457200" y="1219200"/>
+            <a:ext cx="8305800" cy="5638800"/>
           </a:xfrm>
           <a:prstGeom prst="rect">
             <a:avLst/>
@@ -4815,34 +4810,9 @@
           <a:chExt cx="0" cy="0"/>
         </a:xfrm>
       </p:grpSpPr>
-      <p:sp>
-        <p:nvSpPr>
-          <p:cNvPr id="3" name="Title 2"/>
-          <p:cNvSpPr>
-            <a:spLocks noGrp="1"/>
-          </p:cNvSpPr>
-          <p:nvPr>
-            <p:ph type="title"/>
-          </p:nvPr>
-        </p:nvSpPr>
-        <p:spPr/>
-        <p:txBody>
-          <a:bodyPr>
-            <a:normAutofit/>
-          </a:bodyPr>
-          <a:lstStyle/>
-          <a:p>
-            <a:r>
-              <a:rPr lang="en-CA" sz="2400" dirty="0" smtClean="0"/>
-              <a:t>Heat Map with house prices</a:t>
-            </a:r>
-            <a:endParaRPr lang="en-US" sz="2400" dirty="0"/>
-          </a:p>
-        </p:txBody>
-      </p:sp>
       <p:pic>
         <p:nvPicPr>
-          <p:cNvPr id="1026" name="Picture 2"/>
+          <p:cNvPr id="7170" name="Picture 2"/>
           <p:cNvPicPr>
             <a:picLocks noGrp="1" noChangeAspect="1" noChangeArrowheads="1"/>
           </p:cNvPicPr>
@@ -4852,15 +4822,14 @@
         </p:nvPicPr>
         <p:blipFill>
           <a:blip r:embed="rId2"/>
-          <a:srcRect/>
           <a:stretch>
             <a:fillRect/>
           </a:stretch>
         </p:blipFill>
         <p:spPr bwMode="auto">
           <a:xfrm>
-            <a:off x="533400" y="1143000"/>
-            <a:ext cx="8229600" cy="5151778"/>
+            <a:off x="990600" y="1676400"/>
+            <a:ext cx="7001702" cy="4525962"/>
           </a:xfrm>
           <a:prstGeom prst="rect">
             <a:avLst/>
@@ -4875,6 +4844,31 @@
           <a:effectLst/>
         </p:spPr>
       </p:pic>
+      <p:sp>
+        <p:nvSpPr>
+          <p:cNvPr id="3" name="Title 2"/>
+          <p:cNvSpPr>
+            <a:spLocks noGrp="1"/>
+          </p:cNvSpPr>
+          <p:nvPr>
+            <p:ph type="title"/>
+          </p:nvPr>
+        </p:nvSpPr>
+        <p:spPr/>
+        <p:txBody>
+          <a:bodyPr>
+            <a:normAutofit/>
+          </a:bodyPr>
+          <a:lstStyle/>
+          <a:p>
+            <a:r>
+              <a:rPr lang="en-CA" sz="2000" dirty="0" smtClean="0"/>
+              <a:t>A comparison is done between residential &amp; office real estate and it was found out that prices for offices are getting expensive faster.</a:t>
+            </a:r>
+            <a:endParaRPr lang="en-US" sz="2000" dirty="0"/>
+          </a:p>
+        </p:txBody>
+      </p:sp>
     </p:spTree>
   </p:cSld>
   <p:clrMapOvr>
@@ -4919,7 +4913,15 @@
           <a:p>
             <a:r>
               <a:rPr lang="en-US" sz="2400" b="0" dirty="0" smtClean="0"/>
-              <a:t>Are the price differences between different districts increasing?</a:t>
+              <a:t>Create a </a:t>
+            </a:r>
+            <a:r>
+              <a:rPr lang="en-US" sz="2400" b="0" dirty="0" err="1" smtClean="0"/>
+              <a:t>heatmap</a:t>
+            </a:r>
+            <a:r>
+              <a:rPr lang="en-US" sz="2400" b="0" dirty="0" smtClean="0"/>
+              <a:t> of Canada with current house prices for each available district.</a:t>
             </a:r>
             <a:br>
               <a:rPr lang="en-US" sz="2400" b="0" dirty="0" smtClean="0"/>
@@ -4930,7 +4932,7 @@
       </p:sp>
       <p:pic>
         <p:nvPicPr>
-          <p:cNvPr id="2050" name="Picture 2"/>
+          <p:cNvPr id="8194" name="Picture 2"/>
           <p:cNvPicPr>
             <a:picLocks noGrp="1" noChangeAspect="1" noChangeArrowheads="1"/>
           </p:cNvPicPr>
@@ -4947,8 +4949,8 @@
         </p:blipFill>
         <p:spPr bwMode="auto">
           <a:xfrm>
-            <a:off x="304800" y="1219200"/>
-            <a:ext cx="8839200" cy="5257800"/>
+            <a:off x="838200" y="1481138"/>
+            <a:ext cx="6570855" cy="4525962"/>
           </a:xfrm>
           <a:prstGeom prst="rect">
             <a:avLst/>
@@ -5001,24 +5003,21 @@
         <p:spPr/>
         <p:txBody>
           <a:bodyPr>
-            <a:noAutofit/>
+            <a:normAutofit/>
           </a:bodyPr>
           <a:lstStyle/>
           <a:p>
             <a:r>
-              <a:rPr lang="en-US" sz="2400" b="0" dirty="0" smtClean="0"/>
-              <a:t>Compare the trend of house prices with earnings. *In case you want to plot monthly salary, be aware that the earnings value is per week.</a:t>
-            </a:r>
-            <a:br>
-              <a:rPr lang="en-US" sz="2400" b="0" dirty="0" smtClean="0"/>
-            </a:br>
+              <a:rPr lang="en-CA" sz="2400" dirty="0" smtClean="0"/>
+              <a:t>Heat Map with house prices</a:t>
+            </a:r>
             <a:endParaRPr lang="en-US" sz="2400" dirty="0"/>
           </a:p>
         </p:txBody>
       </p:sp>
       <p:pic>
         <p:nvPicPr>
-          <p:cNvPr id="3074" name="Picture 2"/>
+          <p:cNvPr id="1026" name="Picture 2"/>
           <p:cNvPicPr>
             <a:picLocks noGrp="1" noChangeAspect="1" noChangeArrowheads="1"/>
           </p:cNvPicPr>
@@ -5035,8 +5034,8 @@
         </p:blipFill>
         <p:spPr bwMode="auto">
           <a:xfrm>
-            <a:off x="1133298" y="1886648"/>
-            <a:ext cx="6877403" cy="3714941"/>
+            <a:off x="533400" y="1143000"/>
+            <a:ext cx="8229600" cy="5151778"/>
           </a:xfrm>
           <a:prstGeom prst="rect">
             <a:avLst/>
@@ -5078,6 +5077,296 @@
       </p:grpSpPr>
       <p:sp>
         <p:nvSpPr>
+          <p:cNvPr id="2" name="Content Placeholder 1"/>
+          <p:cNvSpPr>
+            <a:spLocks noGrp="1"/>
+          </p:cNvSpPr>
+          <p:nvPr>
+            <p:ph idx="1"/>
+          </p:nvPr>
+        </p:nvSpPr>
+        <p:spPr/>
+        <p:txBody>
+          <a:bodyPr/>
+          <a:lstStyle/>
+          <a:p>
+            <a:r>
+              <a:rPr lang="en-CA" dirty="0" smtClean="0"/>
+              <a:t>In the next slide a comparison is done to show price difference between different districts.</a:t>
+            </a:r>
+          </a:p>
+          <a:p>
+            <a:r>
+              <a:rPr lang="en-CA" dirty="0" smtClean="0"/>
+              <a:t>From graph on next slide you can some most expensive provinces in </a:t>
+            </a:r>
+            <a:r>
+              <a:rPr lang="en-CA" dirty="0" smtClean="0"/>
+              <a:t>C</a:t>
+            </a:r>
+            <a:r>
+              <a:rPr lang="en-CA" dirty="0" smtClean="0"/>
+              <a:t>anada are </a:t>
+            </a:r>
+            <a:r>
+              <a:rPr lang="en-CA" dirty="0" smtClean="0"/>
+              <a:t>O</a:t>
+            </a:r>
+            <a:r>
+              <a:rPr lang="en-CA" dirty="0" smtClean="0"/>
+              <a:t>ntario, Quebec, British Columbia, Alberta. </a:t>
+            </a:r>
+          </a:p>
+          <a:p>
+            <a:r>
+              <a:rPr lang="en-CA" dirty="0" smtClean="0"/>
+              <a:t>And some of the least expensive ones are New </a:t>
+            </a:r>
+            <a:r>
+              <a:rPr lang="en-CA" dirty="0" err="1" smtClean="0"/>
+              <a:t>Foundland</a:t>
+            </a:r>
+            <a:r>
+              <a:rPr lang="en-CA" dirty="0" smtClean="0"/>
+              <a:t>, PEI. </a:t>
+            </a:r>
+          </a:p>
+          <a:p>
+            <a:endParaRPr lang="en-CA" dirty="0" smtClean="0"/>
+          </a:p>
+          <a:p>
+            <a:endParaRPr lang="en-US" dirty="0"/>
+          </a:p>
+        </p:txBody>
+      </p:sp>
+      <p:sp>
+        <p:nvSpPr>
+          <p:cNvPr id="3" name="Title 2"/>
+          <p:cNvSpPr>
+            <a:spLocks noGrp="1"/>
+          </p:cNvSpPr>
+          <p:nvPr>
+            <p:ph type="title"/>
+          </p:nvPr>
+        </p:nvSpPr>
+        <p:spPr/>
+        <p:txBody>
+          <a:bodyPr>
+            <a:normAutofit/>
+          </a:bodyPr>
+          <a:lstStyle/>
+          <a:p>
+            <a:r>
+              <a:rPr lang="en-US" sz="2400" b="0" dirty="0" smtClean="0"/>
+              <a:t>Are the price differences between different districts increasing?</a:t>
+            </a:r>
+            <a:endParaRPr lang="en-US" sz="2400" dirty="0"/>
+          </a:p>
+        </p:txBody>
+      </p:sp>
+    </p:spTree>
+  </p:cSld>
+  <p:clrMapOvr>
+    <a:masterClrMapping/>
+  </p:clrMapOvr>
+</p:sld>
+</file>
+
+<file path=ppt/slides/slide15.xml><?xml version="1.0" encoding="utf-8"?>
+<p:sld xmlns:a="http://schemas.openxmlformats.org/drawingml/2006/main" xmlns:r="http://schemas.openxmlformats.org/officeDocument/2006/relationships" xmlns:p="http://schemas.openxmlformats.org/presentationml/2006/main">
+  <p:cSld>
+    <p:spTree>
+      <p:nvGrpSpPr>
+        <p:cNvPr id="1" name=""/>
+        <p:cNvGrpSpPr/>
+        <p:nvPr/>
+      </p:nvGrpSpPr>
+      <p:grpSpPr>
+        <a:xfrm>
+          <a:off x="0" y="0"/>
+          <a:ext cx="0" cy="0"/>
+          <a:chOff x="0" y="0"/>
+          <a:chExt cx="0" cy="0"/>
+        </a:xfrm>
+      </p:grpSpPr>
+      <p:sp>
+        <p:nvSpPr>
+          <p:cNvPr id="3" name="Title 2"/>
+          <p:cNvSpPr>
+            <a:spLocks noGrp="1"/>
+          </p:cNvSpPr>
+          <p:nvPr>
+            <p:ph type="title"/>
+          </p:nvPr>
+        </p:nvSpPr>
+        <p:spPr/>
+        <p:txBody>
+          <a:bodyPr>
+            <a:noAutofit/>
+          </a:bodyPr>
+          <a:lstStyle/>
+          <a:p>
+            <a:r>
+              <a:rPr lang="en-US" sz="2400" b="0" dirty="0" smtClean="0"/>
+              <a:t>Are the price differences between different districts increasing?</a:t>
+            </a:r>
+            <a:br>
+              <a:rPr lang="en-US" sz="2400" b="0" dirty="0" smtClean="0"/>
+            </a:br>
+            <a:endParaRPr lang="en-US" sz="2400" dirty="0"/>
+          </a:p>
+        </p:txBody>
+      </p:sp>
+      <p:pic>
+        <p:nvPicPr>
+          <p:cNvPr id="2050" name="Picture 2"/>
+          <p:cNvPicPr>
+            <a:picLocks noGrp="1" noChangeAspect="1" noChangeArrowheads="1"/>
+          </p:cNvPicPr>
+          <p:nvPr>
+            <p:ph idx="1"/>
+          </p:nvPr>
+        </p:nvPicPr>
+        <p:blipFill>
+          <a:blip r:embed="rId2"/>
+          <a:srcRect/>
+          <a:stretch>
+            <a:fillRect/>
+          </a:stretch>
+        </p:blipFill>
+        <p:spPr bwMode="auto">
+          <a:xfrm>
+            <a:off x="304800" y="1219200"/>
+            <a:ext cx="8839200" cy="5257800"/>
+          </a:xfrm>
+          <a:prstGeom prst="rect">
+            <a:avLst/>
+          </a:prstGeom>
+          <a:noFill/>
+          <a:ln w="9525">
+            <a:noFill/>
+            <a:miter lim="800000"/>
+            <a:headEnd/>
+            <a:tailEnd/>
+          </a:ln>
+          <a:effectLst/>
+        </p:spPr>
+      </p:pic>
+    </p:spTree>
+  </p:cSld>
+  <p:clrMapOvr>
+    <a:masterClrMapping/>
+  </p:clrMapOvr>
+</p:sld>
+</file>
+
+<file path=ppt/slides/slide16.xml><?xml version="1.0" encoding="utf-8"?>
+<p:sld xmlns:a="http://schemas.openxmlformats.org/drawingml/2006/main" xmlns:r="http://schemas.openxmlformats.org/officeDocument/2006/relationships" xmlns:p="http://schemas.openxmlformats.org/presentationml/2006/main">
+  <p:cSld>
+    <p:spTree>
+      <p:nvGrpSpPr>
+        <p:cNvPr id="1" name=""/>
+        <p:cNvGrpSpPr/>
+        <p:nvPr/>
+      </p:nvGrpSpPr>
+      <p:grpSpPr>
+        <a:xfrm>
+          <a:off x="0" y="0"/>
+          <a:ext cx="0" cy="0"/>
+          <a:chOff x="0" y="0"/>
+          <a:chExt cx="0" cy="0"/>
+        </a:xfrm>
+      </p:grpSpPr>
+      <p:sp>
+        <p:nvSpPr>
+          <p:cNvPr id="3" name="Title 2"/>
+          <p:cNvSpPr>
+            <a:spLocks noGrp="1"/>
+          </p:cNvSpPr>
+          <p:nvPr>
+            <p:ph type="title"/>
+          </p:nvPr>
+        </p:nvSpPr>
+        <p:spPr/>
+        <p:txBody>
+          <a:bodyPr>
+            <a:noAutofit/>
+          </a:bodyPr>
+          <a:lstStyle/>
+          <a:p>
+            <a:r>
+              <a:rPr lang="en-US" sz="2400" b="0" dirty="0" smtClean="0"/>
+              <a:t>Compare the trend of house prices with earnings. *In case you want to plot monthly salary, be aware that the earnings value is per week.</a:t>
+            </a:r>
+            <a:br>
+              <a:rPr lang="en-US" sz="2400" b="0" dirty="0" smtClean="0"/>
+            </a:br>
+            <a:endParaRPr lang="en-US" sz="2400" dirty="0"/>
+          </a:p>
+        </p:txBody>
+      </p:sp>
+      <p:pic>
+        <p:nvPicPr>
+          <p:cNvPr id="3074" name="Picture 2"/>
+          <p:cNvPicPr>
+            <a:picLocks noGrp="1" noChangeAspect="1" noChangeArrowheads="1"/>
+          </p:cNvPicPr>
+          <p:nvPr>
+            <p:ph idx="1"/>
+          </p:nvPr>
+        </p:nvPicPr>
+        <p:blipFill>
+          <a:blip r:embed="rId2"/>
+          <a:srcRect/>
+          <a:stretch>
+            <a:fillRect/>
+          </a:stretch>
+        </p:blipFill>
+        <p:spPr bwMode="auto">
+          <a:xfrm>
+            <a:off x="1133298" y="1886648"/>
+            <a:ext cx="6877403" cy="3714941"/>
+          </a:xfrm>
+          <a:prstGeom prst="rect">
+            <a:avLst/>
+          </a:prstGeom>
+          <a:noFill/>
+          <a:ln w="9525">
+            <a:noFill/>
+            <a:miter lim="800000"/>
+            <a:headEnd/>
+            <a:tailEnd/>
+          </a:ln>
+          <a:effectLst/>
+        </p:spPr>
+      </p:pic>
+    </p:spTree>
+  </p:cSld>
+  <p:clrMapOvr>
+    <a:masterClrMapping/>
+  </p:clrMapOvr>
+</p:sld>
+</file>
+
+<file path=ppt/slides/slide17.xml><?xml version="1.0" encoding="utf-8"?>
+<p:sld xmlns:a="http://schemas.openxmlformats.org/drawingml/2006/main" xmlns:r="http://schemas.openxmlformats.org/officeDocument/2006/relationships" xmlns:p="http://schemas.openxmlformats.org/presentationml/2006/main">
+  <p:cSld>
+    <p:spTree>
+      <p:nvGrpSpPr>
+        <p:cNvPr id="1" name=""/>
+        <p:cNvGrpSpPr/>
+        <p:nvPr/>
+      </p:nvGrpSpPr>
+      <p:grpSpPr>
+        <a:xfrm>
+          <a:off x="0" y="0"/>
+          <a:ext cx="0" cy="0"/>
+          <a:chOff x="0" y="0"/>
+          <a:chExt cx="0" cy="0"/>
+        </a:xfrm>
+      </p:grpSpPr>
+      <p:sp>
+        <p:nvSpPr>
           <p:cNvPr id="3" name="Title 2"/>
           <p:cNvSpPr>
             <a:spLocks noGrp="1"/>
@@ -5151,7 +5440,7 @@
 </p:sld>
 </file>
 
-<file path=ppt/slides/slide15.xml><?xml version="1.0" encoding="utf-8"?>
+<file path=ppt/slides/slide18.xml><?xml version="1.0" encoding="utf-8"?>
 <p:sld xmlns:a="http://schemas.openxmlformats.org/drawingml/2006/main" xmlns:r="http://schemas.openxmlformats.org/officeDocument/2006/relationships" xmlns:p="http://schemas.openxmlformats.org/presentationml/2006/main">
   <p:cSld>
     <p:spTree>
@@ -5271,7 +5560,7 @@
 </p:sld>
 </file>
 
-<file path=ppt/slides/slide16.xml><?xml version="1.0" encoding="utf-8"?>
+<file path=ppt/slides/slide19.xml><?xml version="1.0" encoding="utf-8"?>
 <p:sld xmlns:a="http://schemas.openxmlformats.org/drawingml/2006/main" xmlns:r="http://schemas.openxmlformats.org/officeDocument/2006/relationships" xmlns:p="http://schemas.openxmlformats.org/presentationml/2006/main">
   <p:cSld>
     <p:spTree>
@@ -5367,130 +5656,6 @@
 </p:sld>
 </file>
 
-<file path=ppt/slides/slide17.xml><?xml version="1.0" encoding="utf-8"?>
-<p:sld xmlns:a="http://schemas.openxmlformats.org/drawingml/2006/main" xmlns:r="http://schemas.openxmlformats.org/officeDocument/2006/relationships" xmlns:p="http://schemas.openxmlformats.org/presentationml/2006/main">
-  <p:cSld>
-    <p:spTree>
-      <p:nvGrpSpPr>
-        <p:cNvPr id="1" name=""/>
-        <p:cNvGrpSpPr/>
-        <p:nvPr/>
-      </p:nvGrpSpPr>
-      <p:grpSpPr>
-        <a:xfrm>
-          <a:off x="0" y="0"/>
-          <a:ext cx="0" cy="0"/>
-          <a:chOff x="0" y="0"/>
-          <a:chExt cx="0" cy="0"/>
-        </a:xfrm>
-      </p:grpSpPr>
-      <p:sp>
-        <p:nvSpPr>
-          <p:cNvPr id="2" name="Content Placeholder 1"/>
-          <p:cNvSpPr>
-            <a:spLocks noGrp="1"/>
-          </p:cNvSpPr>
-          <p:nvPr>
-            <p:ph idx="1"/>
-          </p:nvPr>
-        </p:nvSpPr>
-        <p:spPr/>
-        <p:txBody>
-          <a:bodyPr/>
-          <a:lstStyle/>
-          <a:p>
-            <a:endParaRPr lang="en-CA" dirty="0" smtClean="0"/>
-          </a:p>
-          <a:p>
-            <a:endParaRPr lang="en-CA" dirty="0" smtClean="0"/>
-          </a:p>
-          <a:p>
-            <a:r>
-              <a:rPr lang="en-CA" dirty="0" smtClean="0"/>
-              <a:t>Some redundant data</a:t>
-            </a:r>
-          </a:p>
-          <a:p>
-            <a:r>
-              <a:rPr lang="en-CA" dirty="0" smtClean="0"/>
-              <a:t>Will explore more areas if had more time.</a:t>
-            </a:r>
-          </a:p>
-        </p:txBody>
-      </p:sp>
-    </p:spTree>
-  </p:cSld>
-  <p:clrMapOvr>
-    <a:masterClrMapping/>
-  </p:clrMapOvr>
-</p:sld>
-</file>
-
-<file path=ppt/slides/slide18.xml><?xml version="1.0" encoding="utf-8"?>
-<p:sld xmlns:a="http://schemas.openxmlformats.org/drawingml/2006/main" xmlns:r="http://schemas.openxmlformats.org/officeDocument/2006/relationships" xmlns:p="http://schemas.openxmlformats.org/presentationml/2006/main">
-  <p:cSld>
-    <p:spTree>
-      <p:nvGrpSpPr>
-        <p:cNvPr id="1" name=""/>
-        <p:cNvGrpSpPr/>
-        <p:nvPr/>
-      </p:nvGrpSpPr>
-      <p:grpSpPr>
-        <a:xfrm>
-          <a:off x="0" y="0"/>
-          <a:ext cx="0" cy="0"/>
-          <a:chOff x="0" y="0"/>
-          <a:chExt cx="0" cy="0"/>
-        </a:xfrm>
-      </p:grpSpPr>
-      <p:sp>
-        <p:nvSpPr>
-          <p:cNvPr id="2" name="Content Placeholder 1"/>
-          <p:cNvSpPr>
-            <a:spLocks noGrp="1"/>
-          </p:cNvSpPr>
-          <p:nvPr>
-            <p:ph idx="1"/>
-          </p:nvPr>
-        </p:nvSpPr>
-        <p:spPr/>
-        <p:txBody>
-          <a:bodyPr/>
-          <a:lstStyle/>
-          <a:p>
-            <a:pPr algn="ctr">
-              <a:buNone/>
-            </a:pPr>
-            <a:endParaRPr lang="en-CA" sz="4000" b="1" dirty="0" smtClean="0"/>
-          </a:p>
-          <a:p>
-            <a:pPr algn="ctr">
-              <a:buNone/>
-            </a:pPr>
-            <a:endParaRPr lang="en-CA" sz="4000" b="1" dirty="0" smtClean="0"/>
-          </a:p>
-          <a:p>
-            <a:pPr algn="ctr">
-              <a:buNone/>
-            </a:pPr>
-            <a:r>
-              <a:rPr lang="en-CA" sz="4000" b="1" dirty="0" smtClean="0"/>
-              <a:t>THANK YOU</a:t>
-            </a:r>
-          </a:p>
-          <a:p>
-            <a:endParaRPr lang="en-US" dirty="0"/>
-          </a:p>
-        </p:txBody>
-      </p:sp>
-    </p:spTree>
-  </p:cSld>
-  <p:clrMapOvr>
-    <a:masterClrMapping/>
-  </p:clrMapOvr>
-</p:sld>
-</file>
-
 <file path=ppt/slides/slide2.xml><?xml version="1.0" encoding="utf-8"?>
 <p:sld xmlns:a="http://schemas.openxmlformats.org/drawingml/2006/main" xmlns:r="http://schemas.openxmlformats.org/officeDocument/2006/relationships" xmlns:p="http://schemas.openxmlformats.org/presentationml/2006/main">
   <p:cSld>
@@ -5534,7 +5699,13 @@
               <a:rPr lang="en-US" sz="2400" b="1" dirty="0" smtClean="0">
                 <a:hlinkClick r:id="rId2"/>
               </a:rPr>
-              <a:t>Option 1: Standard Final Project</a:t>
+              <a:t>I have used Option </a:t>
+            </a:r>
+            <a:r>
+              <a:rPr lang="en-US" sz="2400" b="1" dirty="0" smtClean="0">
+                <a:hlinkClick r:id="rId2"/>
+              </a:rPr>
+              <a:t>1: Standard Final Project</a:t>
             </a:r>
             <a:endParaRPr lang="en-US" sz="2400" b="1" dirty="0" smtClean="0"/>
           </a:p>
@@ -5547,7 +5718,15 @@
           <a:p>
             <a:r>
               <a:rPr lang="en-US" sz="2000" dirty="0" smtClean="0"/>
-              <a:t>Canadian Open Data portal. The files in the folder are:</a:t>
+              <a:t>Canadian Open Data portal. The </a:t>
+            </a:r>
+            <a:r>
+              <a:rPr lang="en-US" sz="2000" dirty="0" smtClean="0"/>
+              <a:t>files used </a:t>
+            </a:r>
+            <a:r>
+              <a:rPr lang="en-US" sz="2000" dirty="0" smtClean="0"/>
+              <a:t>are:</a:t>
             </a:r>
           </a:p>
           <a:p>
@@ -5628,6 +5807,195 @@
           </a:p>
           <a:p>
             <a:endParaRPr lang="en-US" sz="2000" dirty="0"/>
+          </a:p>
+        </p:txBody>
+      </p:sp>
+    </p:spTree>
+  </p:cSld>
+  <p:clrMapOvr>
+    <a:masterClrMapping/>
+  </p:clrMapOvr>
+</p:sld>
+</file>
+
+<file path=ppt/slides/slide20.xml><?xml version="1.0" encoding="utf-8"?>
+<p:sld xmlns:a="http://schemas.openxmlformats.org/drawingml/2006/main" xmlns:r="http://schemas.openxmlformats.org/officeDocument/2006/relationships" xmlns:p="http://schemas.openxmlformats.org/presentationml/2006/main">
+  <p:cSld>
+    <p:spTree>
+      <p:nvGrpSpPr>
+        <p:cNvPr id="1" name=""/>
+        <p:cNvGrpSpPr/>
+        <p:nvPr/>
+      </p:nvGrpSpPr>
+      <p:grpSpPr>
+        <a:xfrm>
+          <a:off x="0" y="0"/>
+          <a:ext cx="0" cy="0"/>
+          <a:chOff x="0" y="0"/>
+          <a:chExt cx="0" cy="0"/>
+        </a:xfrm>
+      </p:grpSpPr>
+      <p:sp>
+        <p:nvSpPr>
+          <p:cNvPr id="2" name="Content Placeholder 1"/>
+          <p:cNvSpPr>
+            <a:spLocks noGrp="1"/>
+          </p:cNvSpPr>
+          <p:nvPr>
+            <p:ph idx="1"/>
+          </p:nvPr>
+        </p:nvSpPr>
+        <p:spPr/>
+        <p:txBody>
+          <a:bodyPr>
+            <a:normAutofit fontScale="92500" lnSpcReduction="10000"/>
+          </a:bodyPr>
+          <a:lstStyle/>
+          <a:p>
+            <a:pPr>
+              <a:buNone/>
+            </a:pPr>
+            <a:endParaRPr lang="en-CA" dirty="0" smtClean="0"/>
+          </a:p>
+          <a:p>
+            <a:r>
+              <a:rPr lang="en-CA" dirty="0" smtClean="0"/>
+              <a:t>Some redundant data is available. </a:t>
+            </a:r>
+          </a:p>
+          <a:p>
+            <a:r>
+              <a:rPr lang="en-CA" dirty="0" smtClean="0"/>
+              <a:t>Overtime in Canada house prices are incensing.</a:t>
+            </a:r>
+          </a:p>
+          <a:p>
+            <a:r>
+              <a:rPr lang="en-CA" dirty="0" smtClean="0"/>
+              <a:t>Income is not increasing at the speed house prices are.</a:t>
+            </a:r>
+          </a:p>
+          <a:p>
+            <a:r>
+              <a:rPr lang="en-CA" dirty="0" smtClean="0"/>
+              <a:t>Office prices are getting more expensive faster as compared to residential units.</a:t>
+            </a:r>
+          </a:p>
+          <a:p>
+            <a:r>
+              <a:rPr lang="en-CA" dirty="0" smtClean="0"/>
+              <a:t>Specially in last few years real estate has gone up so high that affording a house is getting out of the reach.</a:t>
+            </a:r>
+          </a:p>
+          <a:p>
+            <a:r>
+              <a:rPr lang="en-CA" dirty="0" smtClean="0"/>
+              <a:t>I Will </a:t>
+            </a:r>
+            <a:r>
+              <a:rPr lang="en-CA" dirty="0" smtClean="0"/>
+              <a:t>explore more areas </a:t>
+            </a:r>
+            <a:r>
+              <a:rPr lang="en-CA" dirty="0" smtClean="0"/>
+              <a:t>of data </a:t>
+            </a:r>
+            <a:r>
+              <a:rPr lang="en-CA" dirty="0" smtClean="0"/>
+              <a:t>if I had </a:t>
+            </a:r>
+            <a:r>
+              <a:rPr lang="en-CA" dirty="0" smtClean="0"/>
+              <a:t>more time.</a:t>
+            </a:r>
+          </a:p>
+        </p:txBody>
+      </p:sp>
+      <p:sp>
+        <p:nvSpPr>
+          <p:cNvPr id="3" name="Title 2"/>
+          <p:cNvSpPr>
+            <a:spLocks noGrp="1"/>
+          </p:cNvSpPr>
+          <p:nvPr>
+            <p:ph type="title"/>
+          </p:nvPr>
+        </p:nvSpPr>
+        <p:spPr/>
+        <p:txBody>
+          <a:bodyPr/>
+          <a:lstStyle/>
+          <a:p>
+            <a:r>
+              <a:rPr lang="en-CA" dirty="0" smtClean="0"/>
+              <a:t>Findings of Project</a:t>
+            </a:r>
+            <a:endParaRPr lang="en-US" dirty="0"/>
+          </a:p>
+        </p:txBody>
+      </p:sp>
+    </p:spTree>
+  </p:cSld>
+  <p:clrMapOvr>
+    <a:masterClrMapping/>
+  </p:clrMapOvr>
+</p:sld>
+</file>
+
+<file path=ppt/slides/slide21.xml><?xml version="1.0" encoding="utf-8"?>
+<p:sld xmlns:a="http://schemas.openxmlformats.org/drawingml/2006/main" xmlns:r="http://schemas.openxmlformats.org/officeDocument/2006/relationships" xmlns:p="http://schemas.openxmlformats.org/presentationml/2006/main">
+  <p:cSld>
+    <p:spTree>
+      <p:nvGrpSpPr>
+        <p:cNvPr id="1" name=""/>
+        <p:cNvGrpSpPr/>
+        <p:nvPr/>
+      </p:nvGrpSpPr>
+      <p:grpSpPr>
+        <a:xfrm>
+          <a:off x="0" y="0"/>
+          <a:ext cx="0" cy="0"/>
+          <a:chOff x="0" y="0"/>
+          <a:chExt cx="0" cy="0"/>
+        </a:xfrm>
+      </p:grpSpPr>
+      <p:sp>
+        <p:nvSpPr>
+          <p:cNvPr id="2" name="Content Placeholder 1"/>
+          <p:cNvSpPr>
+            <a:spLocks noGrp="1"/>
+          </p:cNvSpPr>
+          <p:nvPr>
+            <p:ph idx="1"/>
+          </p:nvPr>
+        </p:nvSpPr>
+        <p:spPr/>
+        <p:txBody>
+          <a:bodyPr/>
+          <a:lstStyle/>
+          <a:p>
+            <a:pPr algn="ctr">
+              <a:buNone/>
+            </a:pPr>
+            <a:endParaRPr lang="en-CA" sz="4000" b="1" dirty="0" smtClean="0"/>
+          </a:p>
+          <a:p>
+            <a:pPr algn="ctr">
+              <a:buNone/>
+            </a:pPr>
+            <a:endParaRPr lang="en-CA" sz="4000" b="1" dirty="0" smtClean="0"/>
+          </a:p>
+          <a:p>
+            <a:pPr algn="ctr">
+              <a:buNone/>
+            </a:pPr>
+            <a:r>
+              <a:rPr lang="en-CA" sz="4000" b="1" dirty="0" smtClean="0"/>
+              <a:t>THANK YOU</a:t>
+            </a:r>
+          </a:p>
+          <a:p>
+            <a:endParaRPr lang="en-US" dirty="0"/>
           </a:p>
         </p:txBody>
       </p:sp>
@@ -5658,6 +6026,85 @@
       </p:grpSpPr>
       <p:sp>
         <p:nvSpPr>
+          <p:cNvPr id="2" name="Content Placeholder 1"/>
+          <p:cNvSpPr>
+            <a:spLocks noGrp="1"/>
+          </p:cNvSpPr>
+          <p:nvPr>
+            <p:ph idx="1"/>
+          </p:nvPr>
+        </p:nvSpPr>
+        <p:spPr/>
+        <p:txBody>
+          <a:bodyPr/>
+          <a:lstStyle/>
+          <a:p>
+            <a:r>
+              <a:rPr lang="en-CA" dirty="0" smtClean="0"/>
+              <a:t>We have different parameters to see house price trend over the past years.</a:t>
+            </a:r>
+          </a:p>
+          <a:p>
+            <a:r>
+              <a:rPr lang="en-CA" dirty="0" smtClean="0"/>
+              <a:t>We can look at </a:t>
+            </a:r>
+            <a:r>
+              <a:rPr lang="en-CA" dirty="0" err="1" smtClean="0"/>
+              <a:t>avg</a:t>
+            </a:r>
+            <a:r>
+              <a:rPr lang="en-CA" dirty="0" smtClean="0"/>
+              <a:t> house only.</a:t>
+            </a:r>
+          </a:p>
+          <a:p>
+            <a:r>
+              <a:rPr lang="en-CA" dirty="0" smtClean="0"/>
+              <a:t>Average land only</a:t>
+            </a:r>
+          </a:p>
+          <a:p>
+            <a:r>
+              <a:rPr lang="en-CA" dirty="0" smtClean="0"/>
+              <a:t>And also </a:t>
+            </a:r>
+            <a:r>
+              <a:rPr lang="en-CA" dirty="0" err="1" smtClean="0"/>
+              <a:t>avg</a:t>
+            </a:r>
+            <a:r>
+              <a:rPr lang="en-CA" dirty="0" smtClean="0"/>
+              <a:t> house &amp; land</a:t>
+            </a:r>
+          </a:p>
+          <a:p>
+            <a:r>
+              <a:rPr lang="en-CA" dirty="0" smtClean="0"/>
+              <a:t>House prices are </a:t>
+            </a:r>
+            <a:r>
+              <a:rPr lang="en-CA" dirty="0" err="1" smtClean="0"/>
+              <a:t>incresing</a:t>
+            </a:r>
+            <a:r>
+              <a:rPr lang="en-CA" dirty="0" smtClean="0"/>
+              <a:t> gradually for most part.</a:t>
+            </a:r>
+          </a:p>
+          <a:p>
+            <a:endParaRPr lang="en-CA" dirty="0" smtClean="0"/>
+          </a:p>
+          <a:p>
+            <a:endParaRPr lang="en-CA" dirty="0" smtClean="0"/>
+          </a:p>
+          <a:p>
+            <a:endParaRPr lang="en-US" dirty="0"/>
+          </a:p>
+        </p:txBody>
+      </p:sp>
+      <p:sp>
+        <p:nvSpPr>
           <p:cNvPr id="3" name="Title 2"/>
           <p:cNvSpPr>
             <a:spLocks noGrp="1"/>
@@ -5666,90 +6113,29 @@
             <p:ph type="title"/>
           </p:nvPr>
         </p:nvSpPr>
-        <p:spPr>
-          <a:xfrm>
-            <a:off x="457200" y="274638"/>
-            <a:ext cx="8229600" cy="1249362"/>
-          </a:xfrm>
-        </p:spPr>
+        <p:spPr/>
         <p:txBody>
           <a:bodyPr>
-            <a:normAutofit fontScale="90000"/>
+            <a:normAutofit/>
           </a:bodyPr>
           <a:lstStyle/>
           <a:p>
             <a:r>
-              <a:rPr lang="en-US" sz="2700" dirty="0" smtClean="0"/>
-              <a:t/>
-            </a:r>
-            <a:br>
-              <a:rPr lang="en-US" sz="2700" dirty="0" smtClean="0"/>
-            </a:br>
-            <a:r>
-              <a:rPr lang="en-US" sz="2700" dirty="0" smtClean="0"/>
-              <a:t/>
-            </a:r>
-            <a:br>
-              <a:rPr lang="en-US" sz="2700" dirty="0" smtClean="0"/>
-            </a:br>
-            <a:r>
-              <a:rPr lang="en-US" sz="2700" dirty="0" smtClean="0"/>
+              <a:rPr lang="en-US" sz="2400" dirty="0" smtClean="0"/>
               <a:t>Show the trend of house prices across Canada in the last 40 years (table </a:t>
             </a:r>
             <a:r>
-              <a:rPr lang="en-US" sz="2700" dirty="0" err="1" smtClean="0"/>
+              <a:rPr lang="en-US" sz="2400" dirty="0" err="1" smtClean="0"/>
               <a:t>housing_price_index</a:t>
             </a:r>
             <a:r>
-              <a:rPr lang="en-US" sz="2700" dirty="0" smtClean="0"/>
+              <a:rPr lang="en-US" sz="2400" dirty="0" smtClean="0"/>
               <a:t>).</a:t>
             </a:r>
-            <a:r>
-              <a:rPr lang="en-US" b="0" dirty="0" smtClean="0"/>
-              <a:t/>
-            </a:r>
-            <a:br>
-              <a:rPr lang="en-US" b="0" dirty="0" smtClean="0"/>
-            </a:br>
-            <a:endParaRPr lang="en-US" dirty="0"/>
-          </a:p>
-        </p:txBody>
-      </p:sp>
-      <p:pic>
-        <p:nvPicPr>
-          <p:cNvPr id="1026" name="Picture 2"/>
-          <p:cNvPicPr>
-            <a:picLocks noGrp="1" noChangeAspect="1" noChangeArrowheads="1"/>
-          </p:cNvPicPr>
-          <p:nvPr>
-            <p:ph idx="1"/>
-          </p:nvPr>
-        </p:nvPicPr>
-        <p:blipFill>
-          <a:blip r:embed="rId2"/>
-          <a:srcRect l="29630" t="22497" r="21296"/>
-          <a:stretch>
-            <a:fillRect/>
-          </a:stretch>
-        </p:blipFill>
-        <p:spPr bwMode="auto">
-          <a:xfrm>
-            <a:off x="762000" y="1600200"/>
-            <a:ext cx="7772400" cy="4724400"/>
-          </a:xfrm>
-          <a:prstGeom prst="rect">
-            <a:avLst/>
-          </a:prstGeom>
-          <a:noFill/>
-          <a:ln w="9525">
-            <a:noFill/>
-            <a:miter lim="800000"/>
-            <a:headEnd/>
-            <a:tailEnd/>
-          </a:ln>
-          <a:effectLst/>
-        </p:spPr>
-      </p:pic>
+            <a:endParaRPr lang="en-US" sz="2400" dirty="0"/>
+          </a:p>
+        </p:txBody>
+      </p:sp>
     </p:spTree>
   </p:cSld>
   <p:clrMapOvr>
@@ -5785,32 +6171,58 @@
             <p:ph type="title"/>
           </p:nvPr>
         </p:nvSpPr>
-        <p:spPr/>
+        <p:spPr>
+          <a:xfrm>
+            <a:off x="457200" y="274638"/>
+            <a:ext cx="8229600" cy="1249362"/>
+          </a:xfrm>
+        </p:spPr>
         <p:txBody>
           <a:bodyPr>
-            <a:normAutofit/>
+            <a:normAutofit fontScale="90000"/>
           </a:bodyPr>
           <a:lstStyle/>
           <a:p>
             <a:r>
-              <a:rPr lang="en-US" sz="2400" dirty="0" smtClean="0"/>
+              <a:rPr lang="en-US" sz="2700" dirty="0" smtClean="0"/>
+              <a:t/>
+            </a:r>
+            <a:br>
+              <a:rPr lang="en-US" sz="2700" dirty="0" smtClean="0"/>
+            </a:br>
+            <a:r>
+              <a:rPr lang="en-US" sz="2700" dirty="0" smtClean="0"/>
+              <a:t/>
+            </a:r>
+            <a:br>
+              <a:rPr lang="en-US" sz="2700" dirty="0" smtClean="0"/>
+            </a:br>
+            <a:r>
+              <a:rPr lang="en-US" sz="2700" dirty="0" smtClean="0"/>
               <a:t>Show the trend of house prices across Canada in the last 40 years (table </a:t>
             </a:r>
             <a:r>
-              <a:rPr lang="en-US" sz="2400" dirty="0" err="1" smtClean="0"/>
+              <a:rPr lang="en-US" sz="2700" dirty="0" err="1" smtClean="0"/>
               <a:t>housing_price_index</a:t>
             </a:r>
             <a:r>
-              <a:rPr lang="en-US" sz="2400" dirty="0" smtClean="0"/>
+              <a:rPr lang="en-US" sz="2700" dirty="0" smtClean="0"/>
               <a:t>).</a:t>
             </a:r>
-            <a:endParaRPr lang="en-US" sz="2400" dirty="0"/>
+            <a:r>
+              <a:rPr lang="en-US" b="0" dirty="0" smtClean="0"/>
+              <a:t/>
+            </a:r>
+            <a:br>
+              <a:rPr lang="en-US" b="0" dirty="0" smtClean="0"/>
+            </a:br>
+            <a:endParaRPr lang="en-US" dirty="0"/>
           </a:p>
         </p:txBody>
       </p:sp>
       <p:pic>
         <p:nvPicPr>
-          <p:cNvPr id="2050" name="Picture 2"/>
+          <p:cNvPr id="1026" name="Picture 2"/>
           <p:cNvPicPr>
             <a:picLocks noGrp="1" noChangeAspect="1" noChangeArrowheads="1"/>
           </p:cNvPicPr>
@@ -5820,15 +6232,15 @@
         </p:nvPicPr>
         <p:blipFill>
           <a:blip r:embed="rId2"/>
-          <a:srcRect l="22222" t="19701" r="4630" b="5075"/>
+          <a:srcRect l="29630" t="22497" r="21296"/>
           <a:stretch>
             <a:fillRect/>
           </a:stretch>
         </p:blipFill>
         <p:spPr bwMode="auto">
           <a:xfrm>
-            <a:off x="914400" y="1371600"/>
-            <a:ext cx="7010400" cy="4419600"/>
+            <a:off x="762000" y="1524000"/>
+            <a:ext cx="7772400" cy="4724400"/>
           </a:xfrm>
           <a:prstGeom prst="rect">
             <a:avLst/>
@@ -5868,9 +6280,42 @@
           <a:chExt cx="0" cy="0"/>
         </a:xfrm>
       </p:grpSpPr>
+      <p:sp>
+        <p:nvSpPr>
+          <p:cNvPr id="3" name="Title 2"/>
+          <p:cNvSpPr>
+            <a:spLocks noGrp="1"/>
+          </p:cNvSpPr>
+          <p:nvPr>
+            <p:ph type="title"/>
+          </p:nvPr>
+        </p:nvSpPr>
+        <p:spPr/>
+        <p:txBody>
+          <a:bodyPr>
+            <a:normAutofit/>
+          </a:bodyPr>
+          <a:lstStyle/>
+          <a:p>
+            <a:r>
+              <a:rPr lang="en-US" sz="2400" dirty="0" smtClean="0"/>
+              <a:t>Show the trend of house prices across Canada in the last 40 years (table </a:t>
+            </a:r>
+            <a:r>
+              <a:rPr lang="en-US" sz="2400" dirty="0" err="1" smtClean="0"/>
+              <a:t>housing_price_index</a:t>
+            </a:r>
+            <a:r>
+              <a:rPr lang="en-US" sz="2400" dirty="0" smtClean="0"/>
+              <a:t>).</a:t>
+            </a:r>
+            <a:endParaRPr lang="en-US" sz="2400" dirty="0"/>
+          </a:p>
+        </p:txBody>
+      </p:sp>
       <p:pic>
         <p:nvPicPr>
-          <p:cNvPr id="3074" name="Picture 2"/>
+          <p:cNvPr id="2050" name="Picture 2"/>
           <p:cNvPicPr>
             <a:picLocks noGrp="1" noChangeAspect="1" noChangeArrowheads="1"/>
           </p:cNvPicPr>
@@ -5880,15 +6325,15 @@
         </p:nvPicPr>
         <p:blipFill>
           <a:blip r:embed="rId2"/>
-          <a:srcRect/>
+          <a:srcRect l="22222" t="19701" r="4630" b="5075"/>
           <a:stretch>
             <a:fillRect/>
           </a:stretch>
         </p:blipFill>
         <p:spPr bwMode="auto">
           <a:xfrm>
-            <a:off x="609600" y="304800"/>
-            <a:ext cx="8077200" cy="6172200"/>
+            <a:off x="914400" y="1371600"/>
+            <a:ext cx="7010400" cy="4419600"/>
           </a:xfrm>
           <a:prstGeom prst="rect">
             <a:avLst/>
@@ -5928,74 +6373,9 @@
           <a:chExt cx="0" cy="0"/>
         </a:xfrm>
       </p:grpSpPr>
-      <p:sp>
-        <p:nvSpPr>
-          <p:cNvPr id="3" name="Title 2"/>
-          <p:cNvSpPr>
-            <a:spLocks noGrp="1"/>
-          </p:cNvSpPr>
-          <p:nvPr>
-            <p:ph type="title"/>
-          </p:nvPr>
-        </p:nvSpPr>
-        <p:spPr/>
-        <p:style>
-          <a:lnRef idx="2">
-            <a:schemeClr val="accent2"/>
-          </a:lnRef>
-          <a:fillRef idx="1">
-            <a:schemeClr val="lt1"/>
-          </a:fillRef>
-          <a:effectRef idx="0">
-            <a:schemeClr val="accent2"/>
-          </a:effectRef>
-          <a:fontRef idx="minor">
-            <a:schemeClr val="dk1"/>
-          </a:fontRef>
-        </p:style>
-        <p:txBody>
-          <a:bodyPr>
-            <a:noAutofit/>
-          </a:bodyPr>
-          <a:lstStyle/>
-          <a:p>
-            <a:r>
-              <a:rPr lang="en-US" sz="2000" b="0" dirty="0" smtClean="0"/>
-              <a:t/>
-            </a:r>
-            <a:br>
-              <a:rPr lang="en-US" sz="2000" b="0" dirty="0" smtClean="0"/>
-            </a:br>
-            <a:r>
-              <a:rPr lang="en-US" sz="2000" b="0" dirty="0" smtClean="0"/>
-              <a:t>Compare the trend after 2005 with actual benchmark prices in table real_estate_prices to see if there are any </a:t>
-            </a:r>
-            <a:r>
-              <a:rPr lang="en-US" sz="2000" b="0" dirty="0" smtClean="0">
-                <a:effectLst>
-                  <a:outerShdw blurRad="38100" dist="38100" dir="2700000" algn="tl">
-                    <a:srgbClr val="000000">
-                      <a:alpha val="43137"/>
-                    </a:srgbClr>
-                  </a:outerShdw>
-                </a:effectLst>
-              </a:rPr>
-              <a:t>differences</a:t>
-            </a:r>
-            <a:r>
-              <a:rPr lang="en-US" sz="2000" b="0" dirty="0" smtClean="0"/>
-              <a:t>.</a:t>
-            </a:r>
-            <a:br>
-              <a:rPr lang="en-US" sz="2000" b="0" dirty="0" smtClean="0"/>
-            </a:br>
-            <a:endParaRPr lang="en-US" sz="2000" dirty="0"/>
-          </a:p>
-        </p:txBody>
-      </p:sp>
       <p:pic>
         <p:nvPicPr>
-          <p:cNvPr id="4098" name="Picture 2"/>
+          <p:cNvPr id="3074" name="Picture 2"/>
           <p:cNvPicPr>
             <a:picLocks noGrp="1" noChangeAspect="1" noChangeArrowheads="1"/>
           </p:cNvPicPr>
@@ -6005,15 +6385,15 @@
         </p:nvPicPr>
         <p:blipFill>
           <a:blip r:embed="rId2"/>
-          <a:srcRect l="22822" t="17783" r="9233"/>
+          <a:srcRect/>
           <a:stretch>
             <a:fillRect/>
           </a:stretch>
         </p:blipFill>
         <p:spPr bwMode="auto">
           <a:xfrm>
-            <a:off x="685800" y="1600200"/>
-            <a:ext cx="7848600" cy="4483100"/>
+            <a:off x="609600" y="304800"/>
+            <a:ext cx="8077200" cy="6172200"/>
           </a:xfrm>
           <a:prstGeom prst="rect">
             <a:avLst/>
@@ -6053,6 +6433,131 @@
           <a:chExt cx="0" cy="0"/>
         </a:xfrm>
       </p:grpSpPr>
+      <p:sp>
+        <p:nvSpPr>
+          <p:cNvPr id="3" name="Title 2"/>
+          <p:cNvSpPr>
+            <a:spLocks noGrp="1"/>
+          </p:cNvSpPr>
+          <p:nvPr>
+            <p:ph type="title"/>
+          </p:nvPr>
+        </p:nvSpPr>
+        <p:spPr/>
+        <p:style>
+          <a:lnRef idx="2">
+            <a:schemeClr val="accent2"/>
+          </a:lnRef>
+          <a:fillRef idx="1">
+            <a:schemeClr val="lt1"/>
+          </a:fillRef>
+          <a:effectRef idx="0">
+            <a:schemeClr val="accent2"/>
+          </a:effectRef>
+          <a:fontRef idx="minor">
+            <a:schemeClr val="dk1"/>
+          </a:fontRef>
+        </p:style>
+        <p:txBody>
+          <a:bodyPr>
+            <a:noAutofit/>
+          </a:bodyPr>
+          <a:lstStyle/>
+          <a:p>
+            <a:r>
+              <a:rPr lang="en-US" sz="2000" b="0" dirty="0" smtClean="0"/>
+              <a:t/>
+            </a:r>
+            <a:br>
+              <a:rPr lang="en-US" sz="2000" b="0" dirty="0" smtClean="0"/>
+            </a:br>
+            <a:r>
+              <a:rPr lang="en-US" sz="2000" b="0" dirty="0" smtClean="0"/>
+              <a:t>Compare the trend after 2005 with actual benchmark prices in table real_estate_prices to see if there are any </a:t>
+            </a:r>
+            <a:r>
+              <a:rPr lang="en-US" sz="2000" b="0" dirty="0" smtClean="0">
+                <a:effectLst>
+                  <a:outerShdw blurRad="38100" dist="38100" dir="2700000" algn="tl">
+                    <a:srgbClr val="000000">
+                      <a:alpha val="43137"/>
+                    </a:srgbClr>
+                  </a:outerShdw>
+                </a:effectLst>
+              </a:rPr>
+              <a:t>differences</a:t>
+            </a:r>
+            <a:r>
+              <a:rPr lang="en-US" sz="2000" b="0" dirty="0" smtClean="0"/>
+              <a:t>.</a:t>
+            </a:r>
+            <a:br>
+              <a:rPr lang="en-US" sz="2000" b="0" dirty="0" smtClean="0"/>
+            </a:br>
+            <a:endParaRPr lang="en-US" sz="2000" dirty="0"/>
+          </a:p>
+        </p:txBody>
+      </p:sp>
+      <p:pic>
+        <p:nvPicPr>
+          <p:cNvPr id="4098" name="Picture 2"/>
+          <p:cNvPicPr>
+            <a:picLocks noGrp="1" noChangeAspect="1" noChangeArrowheads="1"/>
+          </p:cNvPicPr>
+          <p:nvPr>
+            <p:ph idx="1"/>
+          </p:nvPr>
+        </p:nvPicPr>
+        <p:blipFill>
+          <a:blip r:embed="rId2"/>
+          <a:srcRect l="22822" t="17783" r="9233"/>
+          <a:stretch>
+            <a:fillRect/>
+          </a:stretch>
+        </p:blipFill>
+        <p:spPr bwMode="auto">
+          <a:xfrm>
+            <a:off x="685800" y="1600200"/>
+            <a:ext cx="7848600" cy="4483100"/>
+          </a:xfrm>
+          <a:prstGeom prst="rect">
+            <a:avLst/>
+          </a:prstGeom>
+          <a:noFill/>
+          <a:ln w="9525">
+            <a:noFill/>
+            <a:miter lim="800000"/>
+            <a:headEnd/>
+            <a:tailEnd/>
+          </a:ln>
+          <a:effectLst/>
+        </p:spPr>
+      </p:pic>
+    </p:spTree>
+  </p:cSld>
+  <p:clrMapOvr>
+    <a:masterClrMapping/>
+  </p:clrMapOvr>
+</p:sld>
+</file>
+
+<file path=ppt/slides/slide8.xml><?xml version="1.0" encoding="utf-8"?>
+<p:sld xmlns:a="http://schemas.openxmlformats.org/drawingml/2006/main" xmlns:r="http://schemas.openxmlformats.org/officeDocument/2006/relationships" xmlns:p="http://schemas.openxmlformats.org/presentationml/2006/main">
+  <p:cSld>
+    <p:spTree>
+      <p:nvGrpSpPr>
+        <p:cNvPr id="1" name=""/>
+        <p:cNvGrpSpPr/>
+        <p:nvPr/>
+      </p:nvGrpSpPr>
+      <p:grpSpPr>
+        <a:xfrm>
+          <a:off x="0" y="0"/>
+          <a:ext cx="0" cy="0"/>
+          <a:chOff x="0" y="0"/>
+          <a:chExt cx="0" cy="0"/>
+        </a:xfrm>
+      </p:grpSpPr>
       <p:pic>
         <p:nvPicPr>
           <p:cNvPr id="5122" name="Picture 2"/>
@@ -6120,94 +6625,6 @@
 </p:sld>
 </file>
 
-<file path=ppt/slides/slide8.xml><?xml version="1.0" encoding="utf-8"?>
-<p:sld xmlns:a="http://schemas.openxmlformats.org/drawingml/2006/main" xmlns:r="http://schemas.openxmlformats.org/officeDocument/2006/relationships" xmlns:p="http://schemas.openxmlformats.org/presentationml/2006/main">
-  <p:cSld>
-    <p:spTree>
-      <p:nvGrpSpPr>
-        <p:cNvPr id="1" name=""/>
-        <p:cNvGrpSpPr/>
-        <p:nvPr/>
-      </p:nvGrpSpPr>
-      <p:grpSpPr>
-        <a:xfrm>
-          <a:off x="0" y="0"/>
-          <a:ext cx="0" cy="0"/>
-          <a:chOff x="0" y="0"/>
-          <a:chExt cx="0" cy="0"/>
-        </a:xfrm>
-      </p:grpSpPr>
-      <p:sp>
-        <p:nvSpPr>
-          <p:cNvPr id="3" name="Title 2"/>
-          <p:cNvSpPr>
-            <a:spLocks noGrp="1"/>
-          </p:cNvSpPr>
-          <p:nvPr>
-            <p:ph type="title"/>
-          </p:nvPr>
-        </p:nvSpPr>
-        <p:spPr/>
-        <p:txBody>
-          <a:bodyPr>
-            <a:noAutofit/>
-          </a:bodyPr>
-          <a:lstStyle/>
-          <a:p>
-            <a:r>
-              <a:rPr lang="en-US" sz="2400" b="0" dirty="0" smtClean="0"/>
-              <a:t>Compare this trend with the trend of office prices. Which one is getting more expensive, faster?</a:t>
-            </a:r>
-            <a:br>
-              <a:rPr lang="en-US" sz="2400" b="0" dirty="0" smtClean="0"/>
-            </a:br>
-            <a:endParaRPr lang="en-US" sz="2400" dirty="0"/>
-          </a:p>
-        </p:txBody>
-      </p:sp>
-      <p:pic>
-        <p:nvPicPr>
-          <p:cNvPr id="6146" name="Picture 2"/>
-          <p:cNvPicPr>
-            <a:picLocks noGrp="1" noChangeAspect="1" noChangeArrowheads="1"/>
-          </p:cNvPicPr>
-          <p:nvPr>
-            <p:ph idx="1"/>
-          </p:nvPr>
-        </p:nvPicPr>
-        <p:blipFill>
-          <a:blip r:embed="rId2"/>
-          <a:srcRect/>
-          <a:stretch>
-            <a:fillRect/>
-          </a:stretch>
-        </p:blipFill>
-        <p:spPr bwMode="auto">
-          <a:xfrm>
-            <a:off x="457200" y="1219200"/>
-            <a:ext cx="8305800" cy="5638800"/>
-          </a:xfrm>
-          <a:prstGeom prst="rect">
-            <a:avLst/>
-          </a:prstGeom>
-          <a:noFill/>
-          <a:ln w="9525">
-            <a:noFill/>
-            <a:miter lim="800000"/>
-            <a:headEnd/>
-            <a:tailEnd/>
-          </a:ln>
-          <a:effectLst/>
-        </p:spPr>
-      </p:pic>
-    </p:spTree>
-  </p:cSld>
-  <p:clrMapOvr>
-    <a:masterClrMapping/>
-  </p:clrMapOvr>
-</p:sld>
-</file>
-
 <file path=ppt/slides/slide9.xml><?xml version="1.0" encoding="utf-8"?>
 <p:sld xmlns:a="http://schemas.openxmlformats.org/drawingml/2006/main" xmlns:r="http://schemas.openxmlformats.org/officeDocument/2006/relationships" xmlns:p="http://schemas.openxmlformats.org/presentationml/2006/main">
   <p:cSld>
@@ -6225,40 +6642,57 @@
           <a:chExt cx="0" cy="0"/>
         </a:xfrm>
       </p:grpSpPr>
-      <p:pic>
-        <p:nvPicPr>
-          <p:cNvPr id="7170" name="Picture 2"/>
-          <p:cNvPicPr>
-            <a:picLocks noGrp="1" noChangeAspect="1" noChangeArrowheads="1"/>
-          </p:cNvPicPr>
+      <p:sp>
+        <p:nvSpPr>
+          <p:cNvPr id="2" name="Content Placeholder 1"/>
+          <p:cNvSpPr>
+            <a:spLocks noGrp="1"/>
+          </p:cNvSpPr>
           <p:nvPr>
             <p:ph idx="1"/>
           </p:nvPr>
-        </p:nvPicPr>
-        <p:blipFill>
-          <a:blip r:embed="rId2"/>
-          <a:stretch>
-            <a:fillRect/>
-          </a:stretch>
-        </p:blipFill>
-        <p:spPr bwMode="auto">
-          <a:xfrm>
-            <a:off x="1071149" y="1481138"/>
-            <a:ext cx="7001702" cy="4525962"/>
-          </a:xfrm>
-          <a:prstGeom prst="rect">
-            <a:avLst/>
-          </a:prstGeom>
-          <a:noFill/>
-          <a:ln w="9525">
-            <a:noFill/>
-            <a:miter lim="800000"/>
-            <a:headEnd/>
-            <a:tailEnd/>
-          </a:ln>
-          <a:effectLst/>
-        </p:spPr>
-      </p:pic>
+        </p:nvSpPr>
+        <p:spPr/>
+        <p:txBody>
+          <a:bodyPr/>
+          <a:lstStyle/>
+          <a:p>
+            <a:r>
+              <a:rPr lang="en-CA" dirty="0" smtClean="0"/>
+              <a:t>We have different categories of data </a:t>
+            </a:r>
+            <a:r>
+              <a:rPr lang="en-CA" dirty="0" err="1" smtClean="0"/>
+              <a:t>eg</a:t>
+            </a:r>
+            <a:r>
+              <a:rPr lang="en-CA" dirty="0" smtClean="0"/>
+              <a:t>. </a:t>
+            </a:r>
+            <a:r>
+              <a:rPr lang="en-CA" dirty="0" err="1" smtClean="0"/>
+              <a:t>Appartment</a:t>
+            </a:r>
+            <a:r>
+              <a:rPr lang="en-CA" dirty="0" smtClean="0"/>
+              <a:t>, office, schools, office warehouse etc.</a:t>
+            </a:r>
+          </a:p>
+          <a:p>
+            <a:r>
+              <a:rPr lang="en-CA" dirty="0" smtClean="0"/>
+              <a:t>A graph is drawn to see prices between all available types first.</a:t>
+            </a:r>
+          </a:p>
+          <a:p>
+            <a:r>
+              <a:rPr lang="en-CA" dirty="0" smtClean="0"/>
+              <a:t>Then a comparison is done to see house &amp; office price tend to see which one is getting more expensive.</a:t>
+            </a:r>
+            <a:endParaRPr lang="en-US" dirty="0"/>
+          </a:p>
+        </p:txBody>
+      </p:sp>
       <p:sp>
         <p:nvSpPr>
           <p:cNvPr id="3" name="Title 2"/>
@@ -6277,10 +6711,10 @@
           <a:lstStyle/>
           <a:p>
             <a:r>
-              <a:rPr lang="en-CA" sz="2000" dirty="0" smtClean="0"/>
-              <a:t>A comparison is done between residential &amp; office real estate and it was found out that prices for offices are getting expensive faster.</a:t>
-            </a:r>
-            <a:endParaRPr lang="en-US" sz="2000" dirty="0"/>
+              <a:rPr lang="en-US" sz="2400" b="0" dirty="0" smtClean="0"/>
+              <a:t>Compare this trend with the trend of office prices. Which one is getting more expensive, faster?</a:t>
+            </a:r>
+            <a:endParaRPr lang="en-US" sz="2400" dirty="0"/>
           </a:p>
         </p:txBody>
       </p:sp>
